--- a/Airbnb Price Prediction - BD Project.pptx
+++ b/Airbnb Price Prediction - BD Project.pptx
@@ -2874,7 +2874,7 @@
         </p:nvSpPr>
         <p:spPr>
           <a:xfrm>
-            <a:off x="381300" y="685800"/>
+            <a:off x="381000" y="685800"/>
             <a:ext cx="6096000" cy="3429000"/>
           </a:xfrm>
           <a:custGeom>
@@ -2978,7 +2978,7 @@
         </p:nvSpPr>
         <p:spPr>
           <a:xfrm>
-            <a:off x="381300" y="685800"/>
+            <a:off x="381000" y="685800"/>
             <a:ext cx="6096000" cy="3429000"/>
           </a:xfrm>
           <a:custGeom>
@@ -3186,7 +3186,7 @@
         </p:nvSpPr>
         <p:spPr>
           <a:xfrm>
-            <a:off x="381300" y="685800"/>
+            <a:off x="381000" y="685800"/>
             <a:ext cx="6096000" cy="3429000"/>
           </a:xfrm>
           <a:custGeom>
@@ -3394,7 +3394,7 @@
         </p:nvSpPr>
         <p:spPr>
           <a:xfrm>
-            <a:off x="381300" y="685800"/>
+            <a:off x="381000" y="685800"/>
             <a:ext cx="6096000" cy="3429000"/>
           </a:xfrm>
           <a:custGeom>
@@ -19712,10 +19712,10 @@
               <a:buChar char="●"/>
             </a:pPr>
             <a:r>
-              <a:rPr lang="en" sz="1600"/>
+              <a:rPr lang="en" sz="1600" dirty="0"/>
               <a:t>Dataset divided into:</a:t>
             </a:r>
-            <a:endParaRPr sz="1600"/>
+            <a:endParaRPr sz="1600" dirty="0"/>
           </a:p>
           <a:p>
             <a:pPr marL="914400" lvl="1" indent="-330200" algn="l" rtl="0">
@@ -19729,10 +19729,10 @@
               <a:buChar char="○"/>
             </a:pPr>
             <a:r>
-              <a:rPr lang="en" sz="1600"/>
+              <a:rPr lang="en" sz="1600" dirty="0"/>
               <a:t>Training set (80%): For training the model;</a:t>
             </a:r>
-            <a:endParaRPr sz="1600"/>
+            <a:endParaRPr sz="1600" dirty="0"/>
           </a:p>
           <a:p>
             <a:pPr marL="914400" lvl="1" indent="-330200" algn="l" rtl="0">
@@ -19746,10 +19746,10 @@
               <a:buChar char="○"/>
             </a:pPr>
             <a:r>
-              <a:rPr lang="en" sz="1600"/>
+              <a:rPr lang="en" sz="1600" dirty="0"/>
               <a:t>Testing set (15%): For evaluating the model;</a:t>
             </a:r>
-            <a:endParaRPr sz="1600"/>
+            <a:endParaRPr sz="1600" dirty="0"/>
           </a:p>
           <a:p>
             <a:pPr marL="914400" lvl="1" indent="-330200" algn="l" rtl="0">
@@ -19763,10 +19763,10 @@
               <a:buChar char="○"/>
             </a:pPr>
             <a:r>
-              <a:rPr lang="en" sz="1600"/>
+              <a:rPr lang="en" sz="1600" dirty="0"/>
               <a:t>Validation set (5%): For hyperparameter tuning.</a:t>
             </a:r>
-            <a:endParaRPr sz="1600"/>
+            <a:endParaRPr sz="1600" dirty="0"/>
           </a:p>
           <a:p>
             <a:pPr marL="457200" lvl="0" indent="-330200" algn="l" rtl="0">
@@ -19780,10 +19780,10 @@
               <a:buChar char="●"/>
             </a:pPr>
             <a:r>
-              <a:rPr lang="en" sz="1600"/>
+              <a:rPr lang="en" sz="1600" dirty="0"/>
               <a:t>Several algorithms were used:</a:t>
             </a:r>
-            <a:endParaRPr sz="1600"/>
+            <a:endParaRPr sz="1600" dirty="0"/>
           </a:p>
           <a:p>
             <a:pPr marL="914400" lvl="1" indent="-330200" algn="l" rtl="0">
@@ -19797,14 +19797,14 @@
               <a:buChar char="○"/>
             </a:pPr>
             <a:r>
-              <a:rPr lang="en" sz="1600" b="1"/>
+              <a:rPr lang="en" sz="1600" b="1" dirty="0"/>
               <a:t>Linear Regression</a:t>
             </a:r>
             <a:r>
-              <a:rPr lang="en" sz="1600"/>
+              <a:rPr lang="en" sz="1600" dirty="0"/>
               <a:t>;</a:t>
             </a:r>
-            <a:endParaRPr sz="1600"/>
+            <a:endParaRPr sz="1600" dirty="0"/>
           </a:p>
           <a:p>
             <a:pPr marL="914400" lvl="1" indent="-330200" algn="l" rtl="0">
@@ -19818,10 +19818,10 @@
               <a:buChar char="○"/>
             </a:pPr>
             <a:r>
-              <a:rPr lang="en" sz="1600" b="1"/>
+              <a:rPr lang="en" sz="1600" b="1" dirty="0"/>
               <a:t>Random Forest Regression;</a:t>
             </a:r>
-            <a:endParaRPr sz="1600" b="1"/>
+            <a:endParaRPr sz="1600" b="1" dirty="0"/>
           </a:p>
           <a:p>
             <a:pPr marL="914400" lvl="1" indent="-330200" algn="l" rtl="0">
@@ -19835,14 +19835,14 @@
               <a:buChar char="○"/>
             </a:pPr>
             <a:r>
-              <a:rPr lang="en" sz="1600" b="1"/>
-              <a:t>Gradient-Boosted Tree Regression</a:t>
-            </a:r>
-            <a:r>
-              <a:rPr lang="en" sz="1600"/>
+              <a:rPr lang="en" sz="1600" b="1" dirty="0"/>
+              <a:t>Gradient-Boosted Trees Regression</a:t>
+            </a:r>
+            <a:r>
+              <a:rPr lang="en" sz="1600" dirty="0"/>
               <a:t>;</a:t>
             </a:r>
-            <a:endParaRPr sz="1600"/>
+            <a:endParaRPr sz="1600" dirty="0"/>
           </a:p>
           <a:p>
             <a:pPr marL="457200" lvl="0" indent="-330200" algn="l" rtl="0">
@@ -19856,31 +19856,14 @@
               <a:buChar char="●"/>
             </a:pPr>
             <a:r>
-              <a:rPr lang="en" sz="1600" b="1"/>
-              <a:t>K-Fold Cross Validation</a:t>
-            </a:r>
-            <a:r>
-              <a:rPr lang="en" sz="1600"/>
-              <a:t> in order to find the best set of hyperparameters:</a:t>
-            </a:r>
-            <a:endParaRPr sz="1600"/>
-          </a:p>
-          <a:p>
-            <a:pPr marL="914400" lvl="1" indent="-330200" algn="l" rtl="0">
-              <a:spcBef>
-                <a:spcPts val="0"/>
-              </a:spcBef>
-              <a:spcAft>
-                <a:spcPts val="0"/>
-              </a:spcAft>
-              <a:buSzPts val="1600"/>
-              <a:buChar char="○"/>
-            </a:pPr>
-            <a:r>
-              <a:rPr lang="en" sz="1600"/>
-              <a:t>A smaller dataset (validation set) was used.</a:t>
-            </a:r>
-            <a:endParaRPr sz="1600"/>
+              <a:rPr lang="en" sz="1600" b="1" dirty="0"/>
+              <a:t>Cross Validation</a:t>
+            </a:r>
+            <a:r>
+              <a:rPr lang="en" sz="1600" dirty="0"/>
+              <a:t> in order to find the best set of hyperparameters.</a:t>
+            </a:r>
+            <a:endParaRPr sz="1600" dirty="0"/>
           </a:p>
         </p:txBody>
       </p:sp>
@@ -20070,30 +20053,32 @@
       </p:sp>
       <p:pic>
         <p:nvPicPr>
-          <p:cNvPr id="381" name="Google Shape;381;p42"/>
-          <p:cNvPicPr preferRelativeResize="0"/>
+          <p:cNvPr id="4" name="Immagine 3">
+            <a:extLst>
+              <a:ext uri="{FF2B5EF4-FFF2-40B4-BE49-F238E27FC236}">
+                <a16:creationId xmlns:a16="http://schemas.microsoft.com/office/drawing/2014/main" id="{58B7FFEF-34A9-EC79-E180-8BF0706B172C}"/>
+              </a:ext>
+            </a:extLst>
+          </p:cNvPr>
+          <p:cNvPicPr>
+            <a:picLocks noChangeAspect="1"/>
+          </p:cNvPicPr>
           <p:nvPr/>
         </p:nvPicPr>
         <p:blipFill>
-          <a:blip r:embed="rId3">
-            <a:alphaModFix/>
-          </a:blip>
+          <a:blip r:embed="rId3"/>
           <a:stretch>
             <a:fillRect/>
           </a:stretch>
         </p:blipFill>
         <p:spPr>
           <a:xfrm>
-            <a:off x="421663" y="1170200"/>
-            <a:ext cx="8300675" cy="743225"/>
-          </a:xfrm>
-          <a:prstGeom prst="rect">
-            <a:avLst/>
-          </a:prstGeom>
-          <a:noFill/>
-          <a:ln>
-            <a:noFill/>
-          </a:ln>
+            <a:off x="523470" y="1303303"/>
+            <a:ext cx="8097060" cy="745719"/>
+          </a:xfrm>
+          <a:prstGeom prst="rect">
+            <a:avLst/>
+          </a:prstGeom>
         </p:spPr>
       </p:pic>
     </p:spTree>
@@ -20620,30 +20605,32 @@
       </p:sp>
       <p:pic>
         <p:nvPicPr>
-          <p:cNvPr id="389" name="Google Shape;389;p43"/>
-          <p:cNvPicPr preferRelativeResize="0"/>
+          <p:cNvPr id="3" name="Immagine 2">
+            <a:extLst>
+              <a:ext uri="{FF2B5EF4-FFF2-40B4-BE49-F238E27FC236}">
+                <a16:creationId xmlns:a16="http://schemas.microsoft.com/office/drawing/2014/main" id="{6A8C8923-06EF-372B-906F-2AAB4A04299D}"/>
+              </a:ext>
+            </a:extLst>
+          </p:cNvPr>
+          <p:cNvPicPr>
+            <a:picLocks noChangeAspect="1"/>
+          </p:cNvPicPr>
           <p:nvPr/>
         </p:nvPicPr>
         <p:blipFill>
-          <a:blip r:embed="rId3">
-            <a:alphaModFix/>
-          </a:blip>
+          <a:blip r:embed="rId3"/>
           <a:stretch>
             <a:fillRect/>
           </a:stretch>
         </p:blipFill>
         <p:spPr>
           <a:xfrm>
-            <a:off x="421663" y="1170200"/>
-            <a:ext cx="8300675" cy="743225"/>
-          </a:xfrm>
-          <a:prstGeom prst="rect">
-            <a:avLst/>
-          </a:prstGeom>
-          <a:noFill/>
-          <a:ln>
-            <a:noFill/>
-          </a:ln>
+            <a:off x="523470" y="1303303"/>
+            <a:ext cx="8097060" cy="745719"/>
+          </a:xfrm>
+          <a:prstGeom prst="rect">
+            <a:avLst/>
+          </a:prstGeom>
         </p:spPr>
       </p:pic>
     </p:spTree>
@@ -21178,58 +21165,62 @@
       </p:sp>
       <p:pic>
         <p:nvPicPr>
-          <p:cNvPr id="406" name="Google Shape;406;p45"/>
-          <p:cNvPicPr preferRelativeResize="0"/>
+          <p:cNvPr id="3" name="Immagine 2">
+            <a:extLst>
+              <a:ext uri="{FF2B5EF4-FFF2-40B4-BE49-F238E27FC236}">
+                <a16:creationId xmlns:a16="http://schemas.microsoft.com/office/drawing/2014/main" id="{E23048FB-BA8C-6328-8585-960AFD29951C}"/>
+              </a:ext>
+            </a:extLst>
+          </p:cNvPr>
+          <p:cNvPicPr>
+            <a:picLocks noChangeAspect="1"/>
+          </p:cNvPicPr>
           <p:nvPr/>
         </p:nvPicPr>
         <p:blipFill>
-          <a:blip r:embed="rId3">
-            <a:alphaModFix/>
-          </a:blip>
+          <a:blip r:embed="rId3"/>
           <a:stretch>
             <a:fillRect/>
           </a:stretch>
         </p:blipFill>
         <p:spPr>
           <a:xfrm>
-            <a:off x="232050" y="1740050"/>
-            <a:ext cx="8679900" cy="789488"/>
-          </a:xfrm>
-          <a:prstGeom prst="rect">
-            <a:avLst/>
-          </a:prstGeom>
-          <a:noFill/>
-          <a:ln>
-            <a:noFill/>
-          </a:ln>
+            <a:off x="191497" y="1733308"/>
+            <a:ext cx="8720451" cy="797476"/>
+          </a:xfrm>
+          <a:prstGeom prst="rect">
+            <a:avLst/>
+          </a:prstGeom>
         </p:spPr>
       </p:pic>
       <p:pic>
         <p:nvPicPr>
-          <p:cNvPr id="407" name="Google Shape;407;p45"/>
-          <p:cNvPicPr preferRelativeResize="0"/>
+          <p:cNvPr id="5" name="Immagine 4">
+            <a:extLst>
+              <a:ext uri="{FF2B5EF4-FFF2-40B4-BE49-F238E27FC236}">
+                <a16:creationId xmlns:a16="http://schemas.microsoft.com/office/drawing/2014/main" id="{F1280B9F-E2C0-7232-C37C-6D20189E4300}"/>
+              </a:ext>
+            </a:extLst>
+          </p:cNvPr>
+          <p:cNvPicPr>
+            <a:picLocks noChangeAspect="1"/>
+          </p:cNvPicPr>
           <p:nvPr/>
         </p:nvPicPr>
         <p:blipFill>
-          <a:blip r:embed="rId4">
-            <a:alphaModFix/>
-          </a:blip>
+          <a:blip r:embed="rId4"/>
           <a:stretch>
             <a:fillRect/>
           </a:stretch>
         </p:blipFill>
         <p:spPr>
           <a:xfrm>
-            <a:off x="232050" y="3174300"/>
-            <a:ext cx="8679898" cy="789891"/>
-          </a:xfrm>
-          <a:prstGeom prst="rect">
-            <a:avLst/>
-          </a:prstGeom>
-          <a:noFill/>
-          <a:ln>
-            <a:noFill/>
-          </a:ln>
+            <a:off x="191497" y="3178157"/>
+            <a:ext cx="8720451" cy="797476"/>
+          </a:xfrm>
+          <a:prstGeom prst="rect">
+            <a:avLst/>
+          </a:prstGeom>
         </p:spPr>
       </p:pic>
     </p:spTree>
@@ -22499,7 +22490,7 @@
           <a:p>
             <a:r>
               <a:rPr lang="en-US" sz="600" dirty="0"/>
-              <a:t>Note: You can the videos in the “Demo” folder</a:t>
+              <a:t>Note: You can find the videos in the “Demo” folder</a:t>
             </a:r>
             <a:endParaRPr lang="it-IT" sz="600" dirty="0"/>
           </a:p>
@@ -22732,10 +22723,10 @@
       </p:pic>
       <p:sp>
         <p:nvSpPr>
-          <p:cNvPr id="3" name="CasellaDiTesto 2">
+          <p:cNvPr id="2" name="CasellaDiTesto 1">
             <a:extLst>
               <a:ext uri="{FF2B5EF4-FFF2-40B4-BE49-F238E27FC236}">
-                <a16:creationId xmlns:a16="http://schemas.microsoft.com/office/drawing/2014/main" id="{080A01C2-4856-0FCC-41A7-8393ACD58BD6}"/>
+                <a16:creationId xmlns:a16="http://schemas.microsoft.com/office/drawing/2014/main" id="{18B51843-D565-3C97-E654-D925766D70E0}"/>
               </a:ext>
             </a:extLst>
           </p:cNvPr>
@@ -22760,7 +22751,7 @@
           <a:p>
             <a:r>
               <a:rPr lang="en-US" sz="600" dirty="0"/>
-              <a:t>Note: You can the videos in the “Demo” folder</a:t>
+              <a:t>Note: You can find the videos in the “Demo” folder</a:t>
             </a:r>
             <a:endParaRPr lang="it-IT" sz="600" dirty="0"/>
           </a:p>
@@ -22993,10 +22984,10 @@
       </p:pic>
       <p:sp>
         <p:nvSpPr>
-          <p:cNvPr id="3" name="CasellaDiTesto 2">
+          <p:cNvPr id="2" name="CasellaDiTesto 1">
             <a:extLst>
               <a:ext uri="{FF2B5EF4-FFF2-40B4-BE49-F238E27FC236}">
-                <a16:creationId xmlns:a16="http://schemas.microsoft.com/office/drawing/2014/main" id="{3B553B70-7337-CFDE-5605-60970B12086F}"/>
+                <a16:creationId xmlns:a16="http://schemas.microsoft.com/office/drawing/2014/main" id="{8A8F63CD-9395-0C98-839E-5DDA0CB86511}"/>
               </a:ext>
             </a:extLst>
           </p:cNvPr>
@@ -23021,7 +23012,7 @@
           <a:p>
             <a:r>
               <a:rPr lang="en-US" sz="600" dirty="0"/>
-              <a:t>Note: You can the videos in the “Demo” folder</a:t>
+              <a:t>Note: You can find the videos in the “Demo” folder</a:t>
             </a:r>
             <a:endParaRPr lang="it-IT" sz="600" dirty="0"/>
           </a:p>
@@ -23494,10 +23485,10 @@
       </p:pic>
       <p:sp>
         <p:nvSpPr>
-          <p:cNvPr id="3" name="CasellaDiTesto 2">
+          <p:cNvPr id="2" name="CasellaDiTesto 1">
             <a:extLst>
               <a:ext uri="{FF2B5EF4-FFF2-40B4-BE49-F238E27FC236}">
-                <a16:creationId xmlns:a16="http://schemas.microsoft.com/office/drawing/2014/main" id="{3ED1B690-5040-D6CA-9EDF-D2C183CB2DA6}"/>
+                <a16:creationId xmlns:a16="http://schemas.microsoft.com/office/drawing/2014/main" id="{3F0D3BDF-6E60-ED40-9DE8-9BB0FE3F37B6}"/>
               </a:ext>
             </a:extLst>
           </p:cNvPr>
@@ -23522,7 +23513,7 @@
           <a:p>
             <a:r>
               <a:rPr lang="en-US" sz="600" dirty="0"/>
-              <a:t>Note: You can the videos in the “Demo” folder</a:t>
+              <a:t>Note: You can find the videos in the “Demo” folder</a:t>
             </a:r>
             <a:endParaRPr lang="it-IT" sz="600" dirty="0"/>
           </a:p>
